--- a/resources/generator.pptx
+++ b/resources/generator.pptx
@@ -9,6 +9,7 @@
     <p:sldId id="257" r:id="rId3"/>
     <p:sldId id="259" r:id="rId4"/>
     <p:sldId id="258" r:id="rId5"/>
+    <p:sldId id="260" r:id="rId6"/>
   </p:sldIdLst>
   <p:sldSz cx="12192000" cy="6858000"/>
   <p:notesSz cx="6858000" cy="9144000"/>
@@ -262,7 +263,7 @@
           <a:p>
             <a:fld id="{C37BCBE0-9743-4788-910E-3D569BC75FF3}" type="datetimeFigureOut">
               <a:rPr lang="en-US" smtClean="0"/>
-              <a:t>2/24/2021</a:t>
+              <a:t>2/25/2021</a:t>
             </a:fld>
             <a:endParaRPr lang="en-US"/>
           </a:p>
@@ -460,7 +461,7 @@
           <a:p>
             <a:fld id="{C37BCBE0-9743-4788-910E-3D569BC75FF3}" type="datetimeFigureOut">
               <a:rPr lang="en-US" smtClean="0"/>
-              <a:t>2/24/2021</a:t>
+              <a:t>2/25/2021</a:t>
             </a:fld>
             <a:endParaRPr lang="en-US"/>
           </a:p>
@@ -668,7 +669,7 @@
           <a:p>
             <a:fld id="{C37BCBE0-9743-4788-910E-3D569BC75FF3}" type="datetimeFigureOut">
               <a:rPr lang="en-US" smtClean="0"/>
-              <a:t>2/24/2021</a:t>
+              <a:t>2/25/2021</a:t>
             </a:fld>
             <a:endParaRPr lang="en-US"/>
           </a:p>
@@ -866,7 +867,7 @@
           <a:p>
             <a:fld id="{C37BCBE0-9743-4788-910E-3D569BC75FF3}" type="datetimeFigureOut">
               <a:rPr lang="en-US" smtClean="0"/>
-              <a:t>2/24/2021</a:t>
+              <a:t>2/25/2021</a:t>
             </a:fld>
             <a:endParaRPr lang="en-US"/>
           </a:p>
@@ -1141,7 +1142,7 @@
           <a:p>
             <a:fld id="{C37BCBE0-9743-4788-910E-3D569BC75FF3}" type="datetimeFigureOut">
               <a:rPr lang="en-US" smtClean="0"/>
-              <a:t>2/24/2021</a:t>
+              <a:t>2/25/2021</a:t>
             </a:fld>
             <a:endParaRPr lang="en-US"/>
           </a:p>
@@ -1406,7 +1407,7 @@
           <a:p>
             <a:fld id="{C37BCBE0-9743-4788-910E-3D569BC75FF3}" type="datetimeFigureOut">
               <a:rPr lang="en-US" smtClean="0"/>
-              <a:t>2/24/2021</a:t>
+              <a:t>2/25/2021</a:t>
             </a:fld>
             <a:endParaRPr lang="en-US"/>
           </a:p>
@@ -1818,7 +1819,7 @@
           <a:p>
             <a:fld id="{C37BCBE0-9743-4788-910E-3D569BC75FF3}" type="datetimeFigureOut">
               <a:rPr lang="en-US" smtClean="0"/>
-              <a:t>2/24/2021</a:t>
+              <a:t>2/25/2021</a:t>
             </a:fld>
             <a:endParaRPr lang="en-US"/>
           </a:p>
@@ -1959,7 +1960,7 @@
           <a:p>
             <a:fld id="{C37BCBE0-9743-4788-910E-3D569BC75FF3}" type="datetimeFigureOut">
               <a:rPr lang="en-US" smtClean="0"/>
-              <a:t>2/24/2021</a:t>
+              <a:t>2/25/2021</a:t>
             </a:fld>
             <a:endParaRPr lang="en-US"/>
           </a:p>
@@ -2072,7 +2073,7 @@
           <a:p>
             <a:fld id="{C37BCBE0-9743-4788-910E-3D569BC75FF3}" type="datetimeFigureOut">
               <a:rPr lang="en-US" smtClean="0"/>
-              <a:t>2/24/2021</a:t>
+              <a:t>2/25/2021</a:t>
             </a:fld>
             <a:endParaRPr lang="en-US"/>
           </a:p>
@@ -2383,7 +2384,7 @@
           <a:p>
             <a:fld id="{C37BCBE0-9743-4788-910E-3D569BC75FF3}" type="datetimeFigureOut">
               <a:rPr lang="en-US" smtClean="0"/>
-              <a:t>2/24/2021</a:t>
+              <a:t>2/25/2021</a:t>
             </a:fld>
             <a:endParaRPr lang="en-US"/>
           </a:p>
@@ -2671,7 +2672,7 @@
           <a:p>
             <a:fld id="{C37BCBE0-9743-4788-910E-3D569BC75FF3}" type="datetimeFigureOut">
               <a:rPr lang="en-US" smtClean="0"/>
-              <a:t>2/24/2021</a:t>
+              <a:t>2/25/2021</a:t>
             </a:fld>
             <a:endParaRPr lang="en-US"/>
           </a:p>
@@ -2912,7 +2913,7 @@
           <a:p>
             <a:fld id="{C37BCBE0-9743-4788-910E-3D569BC75FF3}" type="datetimeFigureOut">
               <a:rPr lang="en-US" smtClean="0"/>
-              <a:t>2/24/2021</a:t>
+              <a:t>2/25/2021</a:t>
             </a:fld>
             <a:endParaRPr lang="en-US"/>
           </a:p>
@@ -3936,6 +3937,315 @@
 </p:sld>
 </file>
 
+<file path=ppt/slides/slide5.xml><?xml version="1.0" encoding="utf-8"?>
+<p:sld xmlns:a="http://schemas.openxmlformats.org/drawingml/2006/main" xmlns:r="http://schemas.openxmlformats.org/officeDocument/2006/relationships" xmlns:p="http://schemas.openxmlformats.org/presentationml/2006/main">
+  <p:cSld>
+    <p:spTree>
+      <p:nvGrpSpPr>
+        <p:cNvPr id="1" name=""/>
+        <p:cNvGrpSpPr/>
+        <p:nvPr/>
+      </p:nvGrpSpPr>
+      <p:grpSpPr>
+        <a:xfrm>
+          <a:off x="0" y="0"/>
+          <a:ext cx="0" cy="0"/>
+          <a:chOff x="0" y="0"/>
+          <a:chExt cx="0" cy="0"/>
+        </a:xfrm>
+      </p:grpSpPr>
+      <p:grpSp>
+        <p:nvGrpSpPr>
+          <p:cNvPr id="14" name="Group 13">
+            <a:extLst>
+              <a:ext uri="{FF2B5EF4-FFF2-40B4-BE49-F238E27FC236}">
+                <a16:creationId xmlns:a16="http://schemas.microsoft.com/office/drawing/2014/main" id="{C03CC619-A3C6-4A68-8C8E-CD50FE5F76B2}"/>
+              </a:ext>
+            </a:extLst>
+          </p:cNvPr>
+          <p:cNvGrpSpPr/>
+          <p:nvPr/>
+        </p:nvGrpSpPr>
+        <p:grpSpPr>
+          <a:xfrm>
+            <a:off x="828213" y="-261257"/>
+            <a:ext cx="7632338" cy="6796557"/>
+            <a:chOff x="2193966" y="0"/>
+            <a:chExt cx="7632338" cy="6796557"/>
+          </a:xfrm>
+        </p:grpSpPr>
+        <p:pic>
+          <p:nvPicPr>
+            <p:cNvPr id="3" name="Picture 2">
+              <a:extLst>
+                <a:ext uri="{FF2B5EF4-FFF2-40B4-BE49-F238E27FC236}">
+                  <a16:creationId xmlns:a16="http://schemas.microsoft.com/office/drawing/2014/main" id="{658846EF-A70B-457A-9D9D-9521831B703A}"/>
+                </a:ext>
+              </a:extLst>
+            </p:cNvPr>
+            <p:cNvPicPr>
+              <a:picLocks noChangeAspect="1"/>
+            </p:cNvPicPr>
+            <p:nvPr/>
+          </p:nvPicPr>
+          <p:blipFill>
+            <a:blip r:embed="rId2">
+              <a:extLst>
+                <a:ext uri="{28A0092B-C50C-407E-A947-70E740481C1C}">
+                  <a14:useLocalDpi xmlns:a14="http://schemas.microsoft.com/office/drawing/2010/main" val="0"/>
+                </a:ext>
+              </a:extLst>
+            </a:blip>
+            <a:stretch>
+              <a:fillRect/>
+            </a:stretch>
+          </p:blipFill>
+          <p:spPr>
+            <a:xfrm>
+              <a:off x="2193966" y="61442"/>
+              <a:ext cx="3629532" cy="6735115"/>
+            </a:xfrm>
+            <a:prstGeom prst="rect">
+              <a:avLst/>
+            </a:prstGeom>
+          </p:spPr>
+        </p:pic>
+        <p:pic>
+          <p:nvPicPr>
+            <p:cNvPr id="5" name="Picture 4">
+              <a:extLst>
+                <a:ext uri="{FF2B5EF4-FFF2-40B4-BE49-F238E27FC236}">
+                  <a16:creationId xmlns:a16="http://schemas.microsoft.com/office/drawing/2014/main" id="{F1265559-0C18-4056-B0C8-78595593131F}"/>
+                </a:ext>
+              </a:extLst>
+            </p:cNvPr>
+            <p:cNvPicPr>
+              <a:picLocks noChangeAspect="1"/>
+            </p:cNvPicPr>
+            <p:nvPr/>
+          </p:nvPicPr>
+          <p:blipFill>
+            <a:blip r:embed="rId3">
+              <a:extLst>
+                <a:ext uri="{28A0092B-C50C-407E-A947-70E740481C1C}">
+                  <a14:useLocalDpi xmlns:a14="http://schemas.microsoft.com/office/drawing/2010/main" val="0"/>
+                </a:ext>
+              </a:extLst>
+            </a:blip>
+            <a:stretch>
+              <a:fillRect/>
+            </a:stretch>
+          </p:blipFill>
+          <p:spPr>
+            <a:xfrm>
+              <a:off x="6225351" y="0"/>
+              <a:ext cx="3600953" cy="6773220"/>
+            </a:xfrm>
+            <a:prstGeom prst="rect">
+              <a:avLst/>
+            </a:prstGeom>
+          </p:spPr>
+        </p:pic>
+      </p:grpSp>
+      <p:grpSp>
+        <p:nvGrpSpPr>
+          <p:cNvPr id="15" name="Group 14">
+            <a:extLst>
+              <a:ext uri="{FF2B5EF4-FFF2-40B4-BE49-F238E27FC236}">
+                <a16:creationId xmlns:a16="http://schemas.microsoft.com/office/drawing/2014/main" id="{4F7B0C94-2778-4607-BDC0-239014033F41}"/>
+              </a:ext>
+            </a:extLst>
+          </p:cNvPr>
+          <p:cNvGrpSpPr/>
+          <p:nvPr/>
+        </p:nvGrpSpPr>
+        <p:grpSpPr>
+          <a:xfrm>
+            <a:off x="4472035" y="-52361"/>
+            <a:ext cx="7598995" cy="6763694"/>
+            <a:chOff x="2236835" y="4541"/>
+            <a:chExt cx="7598995" cy="6763694"/>
+          </a:xfrm>
+        </p:grpSpPr>
+        <p:pic>
+          <p:nvPicPr>
+            <p:cNvPr id="7" name="Picture 6">
+              <a:extLst>
+                <a:ext uri="{FF2B5EF4-FFF2-40B4-BE49-F238E27FC236}">
+                  <a16:creationId xmlns:a16="http://schemas.microsoft.com/office/drawing/2014/main" id="{0DE77817-EF95-4153-A17E-764BB11EBF9C}"/>
+                </a:ext>
+              </a:extLst>
+            </p:cNvPr>
+            <p:cNvPicPr>
+              <a:picLocks noChangeAspect="1"/>
+            </p:cNvPicPr>
+            <p:nvPr/>
+          </p:nvPicPr>
+          <p:blipFill>
+            <a:blip r:embed="rId4">
+              <a:extLst>
+                <a:ext uri="{28A0092B-C50C-407E-A947-70E740481C1C}">
+                  <a14:useLocalDpi xmlns:a14="http://schemas.microsoft.com/office/drawing/2010/main" val="0"/>
+                </a:ext>
+              </a:extLst>
+            </a:blip>
+            <a:stretch>
+              <a:fillRect/>
+            </a:stretch>
+          </p:blipFill>
+          <p:spPr>
+            <a:xfrm>
+              <a:off x="6225351" y="4541"/>
+              <a:ext cx="3610479" cy="6763694"/>
+            </a:xfrm>
+            <a:prstGeom prst="rect">
+              <a:avLst/>
+            </a:prstGeom>
+          </p:spPr>
+        </p:pic>
+        <p:pic>
+          <p:nvPicPr>
+            <p:cNvPr id="13" name="Picture 12">
+              <a:extLst>
+                <a:ext uri="{FF2B5EF4-FFF2-40B4-BE49-F238E27FC236}">
+                  <a16:creationId xmlns:a16="http://schemas.microsoft.com/office/drawing/2014/main" id="{124348BD-ECE4-4594-8822-07D144AC482C}"/>
+                </a:ext>
+              </a:extLst>
+            </p:cNvPr>
+            <p:cNvPicPr>
+              <a:picLocks noChangeAspect="1"/>
+            </p:cNvPicPr>
+            <p:nvPr/>
+          </p:nvPicPr>
+          <p:blipFill>
+            <a:blip r:embed="rId5">
+              <a:extLst>
+                <a:ext uri="{28A0092B-C50C-407E-A947-70E740481C1C}">
+                  <a14:useLocalDpi xmlns:a14="http://schemas.microsoft.com/office/drawing/2010/main" val="0"/>
+                </a:ext>
+              </a:extLst>
+            </a:blip>
+            <a:stretch>
+              <a:fillRect/>
+            </a:stretch>
+          </p:blipFill>
+          <p:spPr>
+            <a:xfrm>
+              <a:off x="2236835" y="33120"/>
+              <a:ext cx="3591426" cy="6735115"/>
+            </a:xfrm>
+            <a:prstGeom prst="rect">
+              <a:avLst/>
+            </a:prstGeom>
+          </p:spPr>
+        </p:pic>
+      </p:grpSp>
+      <p:grpSp>
+        <p:nvGrpSpPr>
+          <p:cNvPr id="16" name="Group 15">
+            <a:extLst>
+              <a:ext uri="{FF2B5EF4-FFF2-40B4-BE49-F238E27FC236}">
+                <a16:creationId xmlns:a16="http://schemas.microsoft.com/office/drawing/2014/main" id="{39920683-133B-4170-A4C5-A80C50F33AAB}"/>
+              </a:ext>
+            </a:extLst>
+          </p:cNvPr>
+          <p:cNvGrpSpPr/>
+          <p:nvPr/>
+        </p:nvGrpSpPr>
+        <p:grpSpPr>
+          <a:xfrm>
+            <a:off x="5590083" y="-33308"/>
+            <a:ext cx="7627575" cy="6801543"/>
+            <a:chOff x="2208255" y="14067"/>
+            <a:chExt cx="7627575" cy="6801543"/>
+          </a:xfrm>
+        </p:grpSpPr>
+        <p:pic>
+          <p:nvPicPr>
+            <p:cNvPr id="11" name="Picture 10">
+              <a:extLst>
+                <a:ext uri="{FF2B5EF4-FFF2-40B4-BE49-F238E27FC236}">
+                  <a16:creationId xmlns:a16="http://schemas.microsoft.com/office/drawing/2014/main" id="{B90EFA78-105E-4843-8DFC-0E9EEEC364E3}"/>
+                </a:ext>
+              </a:extLst>
+            </p:cNvPr>
+            <p:cNvPicPr>
+              <a:picLocks noChangeAspect="1"/>
+            </p:cNvPicPr>
+            <p:nvPr/>
+          </p:nvPicPr>
+          <p:blipFill>
+            <a:blip r:embed="rId6">
+              <a:extLst>
+                <a:ext uri="{28A0092B-C50C-407E-A947-70E740481C1C}">
+                  <a14:useLocalDpi xmlns:a14="http://schemas.microsoft.com/office/drawing/2010/main" val="0"/>
+                </a:ext>
+              </a:extLst>
+            </a:blip>
+            <a:stretch>
+              <a:fillRect/>
+            </a:stretch>
+          </p:blipFill>
+          <p:spPr>
+            <a:xfrm>
+              <a:off x="6225351" y="61442"/>
+              <a:ext cx="3610479" cy="6754168"/>
+            </a:xfrm>
+            <a:prstGeom prst="rect">
+              <a:avLst/>
+            </a:prstGeom>
+          </p:spPr>
+        </p:pic>
+        <p:pic>
+          <p:nvPicPr>
+            <p:cNvPr id="9" name="Picture 8">
+              <a:extLst>
+                <a:ext uri="{FF2B5EF4-FFF2-40B4-BE49-F238E27FC236}">
+                  <a16:creationId xmlns:a16="http://schemas.microsoft.com/office/drawing/2014/main" id="{3E1A4C45-A0F6-471A-8FBE-E3961766D6DD}"/>
+                </a:ext>
+              </a:extLst>
+            </p:cNvPr>
+            <p:cNvPicPr>
+              <a:picLocks noChangeAspect="1"/>
+            </p:cNvPicPr>
+            <p:nvPr/>
+          </p:nvPicPr>
+          <p:blipFill>
+            <a:blip r:embed="rId7">
+              <a:extLst>
+                <a:ext uri="{28A0092B-C50C-407E-A947-70E740481C1C}">
+                  <a14:useLocalDpi xmlns:a14="http://schemas.microsoft.com/office/drawing/2010/main" val="0"/>
+                </a:ext>
+              </a:extLst>
+            </a:blip>
+            <a:stretch>
+              <a:fillRect/>
+            </a:stretch>
+          </p:blipFill>
+          <p:spPr>
+            <a:xfrm>
+              <a:off x="2208255" y="14067"/>
+              <a:ext cx="3600953" cy="6744641"/>
+            </a:xfrm>
+            <a:prstGeom prst="rect">
+              <a:avLst/>
+            </a:prstGeom>
+          </p:spPr>
+        </p:pic>
+      </p:grpSp>
+    </p:spTree>
+    <p:extLst>
+      <p:ext uri="{BB962C8B-B14F-4D97-AF65-F5344CB8AC3E}">
+        <p14:creationId xmlns:p14="http://schemas.microsoft.com/office/powerpoint/2010/main" val="1559558846"/>
+      </p:ext>
+    </p:extLst>
+  </p:cSld>
+  <p:clrMapOvr>
+    <a:masterClrMapping/>
+  </p:clrMapOvr>
+</p:sld>
+</file>
+
 <file path=ppt/theme/theme1.xml><?xml version="1.0" encoding="utf-8"?>
 <a:theme xmlns:a="http://schemas.openxmlformats.org/drawingml/2006/main" name="Office Theme">
   <a:themeElements>
